--- a/PL-300/PL-300_Preparation.pptx
+++ b/PL-300/PL-300_Preparation.pptx
@@ -5972,6 +5972,46 @@
           </a:ln>
           <a:effectLst>
             <a:softEdge rad="112500"/>
+          </a:effectLst>
+        </p:spPr>
+      </p:pic>
+      <p:pic>
+        <p:nvPicPr>
+          <p:cNvPr id="6" name="Picture 5">
+            <a:extLst>
+              <a:ext uri="{FF2B5EF4-FFF2-40B4-BE49-F238E27FC236}">
+                <a16:creationId xmlns:a16="http://schemas.microsoft.com/office/drawing/2014/main" id="{BE63BDA6-E7D3-6B2B-45ED-52346EDD1109}"/>
+              </a:ext>
+            </a:extLst>
+          </p:cNvPr>
+          <p:cNvPicPr>
+            <a:picLocks noChangeAspect="1"/>
+          </p:cNvPicPr>
+          <p:nvPr/>
+        </p:nvPicPr>
+        <p:blipFill>
+          <a:blip r:embed="rId4"/>
+          <a:stretch>
+            <a:fillRect/>
+          </a:stretch>
+        </p:blipFill>
+        <p:spPr>
+          <a:xfrm>
+            <a:off x="3972561" y="4726778"/>
+            <a:ext cx="6878320" cy="1611685"/>
+          </a:xfrm>
+          <a:prstGeom prst="rect">
+            <a:avLst/>
+          </a:prstGeom>
+          <a:ln>
+            <a:noFill/>
+          </a:ln>
+          <a:effectLst>
+            <a:outerShdw blurRad="292100" dist="139700" dir="2700000" algn="tl" rotWithShape="0">
+              <a:srgbClr val="333333">
+                <a:alpha val="65000"/>
+              </a:srgbClr>
+            </a:outerShdw>
           </a:effectLst>
         </p:spPr>
       </p:pic>
